--- a/SA_maize_AAEA2021.pptx
+++ b/SA_maize_AAEA2021.pptx
@@ -16,9 +16,10 @@
     <p:sldId id="274" r:id="rId10"/>
     <p:sldId id="265" r:id="rId11"/>
     <p:sldId id="270" r:id="rId12"/>
-    <p:sldId id="258" r:id="rId13"/>
-    <p:sldId id="267" r:id="rId14"/>
-    <p:sldId id="268" r:id="rId15"/>
+    <p:sldId id="275" r:id="rId13"/>
+    <p:sldId id="276" r:id="rId14"/>
+    <p:sldId id="267" r:id="rId15"/>
+    <p:sldId id="268" r:id="rId16"/>
   </p:sldIdLst>
   <p:sldSz cx="12192000" cy="6858000"/>
   <p:notesSz cx="6858000" cy="9144000"/>
@@ -144,20 +145,6 @@
     <p1510:client id="{AA02D21E-5552-EB4F-8786-FE2C5B022A7F}" v="101" dt="2021-07-30T16:01:02.110"/>
   </p1510:revLst>
 </p1510:revInfo>
-</file>
-
-<file path=ppt/comments/comment1.xml><?xml version="1.0" encoding="utf-8"?>
-<p:cmLst xmlns:a="http://schemas.openxmlformats.org/drawingml/2006/main" xmlns:r="http://schemas.openxmlformats.org/officeDocument/2006/relationships" xmlns:p="http://schemas.openxmlformats.org/presentationml/2006/main">
-  <p:cm authorId="1" dt="2021-07-30T08:14:50.388" idx="7">
-    <p:pos x="7119" y="856"/>
-    <p:text>Let's use facet_wrap by provence to put each provence on it's own subpanel of the figure. it will take an entire slide but look nice. we won't need any text on the slide other than legends to explain the results</p:text>
-    <p:extLst>
-      <p:ext uri="{C676402C-5697-4E1C-873F-D02D1690AC5C}">
-        <p15:threadingInfo xmlns:p15="http://schemas.microsoft.com/office/powerpoint/2012/main" timeZoneBias="300"/>
-      </p:ext>
-    </p:extLst>
-  </p:cm>
-</p:cmLst>
 </file>
 
 <file path=ppt/slideLayouts/slideLayout1.xml><?xml version="1.0" encoding="utf-8"?>
@@ -3810,8 +3797,8 @@
           </a:p>
         </p:txBody>
       </p:sp>
-      <mc:AlternateContent xmlns:mc="http://schemas.openxmlformats.org/markup-compatibility/2006">
-        <mc:Choice xmlns:a14="http://schemas.microsoft.com/office/drawing/2010/main" Requires="a14">
+      <mc:AlternateContent xmlns:mc="http://schemas.openxmlformats.org/markup-compatibility/2006" xmlns:a14="http://schemas.microsoft.com/office/drawing/2010/main">
+        <mc:Choice Requires="a14">
           <p:sp>
             <p:nvSpPr>
               <p:cNvPr id="4" name="TextBox 3">
@@ -3864,21 +3851,7 @@
                           <a:latin typeface="Cambria Math" panose="02040503050406030204" pitchFamily="18" charset="0"/>
                           <a:ea typeface="Cambria Math" panose="02040503050406030204" pitchFamily="18" charset="0"/>
                         </a:rPr>
-                        <m:t>𝑝𝑟𝑜𝑣</m:t>
-                      </m:r>
-                      <m:r>
-                        <a:rPr lang="en-US" b="0" i="1" smtClean="0">
-                          <a:latin typeface="Cambria Math" panose="02040503050406030204" pitchFamily="18" charset="0"/>
-                          <a:ea typeface="Cambria Math" panose="02040503050406030204" pitchFamily="18" charset="0"/>
-                        </a:rPr>
-                        <m:t>𝑖</m:t>
-                      </m:r>
-                      <m:r>
-                        <a:rPr lang="en-US" b="0" i="1" smtClean="0">
-                          <a:latin typeface="Cambria Math" panose="02040503050406030204" pitchFamily="18" charset="0"/>
-                          <a:ea typeface="Cambria Math" panose="02040503050406030204" pitchFamily="18" charset="0"/>
-                        </a:rPr>
-                        <m:t>𝑛𝑐𝑒</m:t>
+                        <m:t>𝑝𝑟𝑜𝑣𝑖𝑛𝑐𝑒</m:t>
                       </m:r>
                       <m:r>
                         <a:rPr lang="en-US" b="0" i="1" smtClean="0">
@@ -3930,7 +3903,7 @@
             </p:txBody>
           </p:sp>
         </mc:Choice>
-        <mc:Fallback>
+        <mc:Fallback xmlns="">
           <p:sp>
             <p:nvSpPr>
               <p:cNvPr id="4" name="TextBox 3">
@@ -3975,8 +3948,8 @@
           </p:sp>
         </mc:Fallback>
       </mc:AlternateContent>
-      <mc:AlternateContent xmlns:mc="http://schemas.openxmlformats.org/markup-compatibility/2006">
-        <mc:Choice xmlns:a14="http://schemas.microsoft.com/office/drawing/2010/main" Requires="a14">
+      <mc:AlternateContent xmlns:mc="http://schemas.openxmlformats.org/markup-compatibility/2006" xmlns:a14="http://schemas.microsoft.com/office/drawing/2010/main">
+        <mc:Choice Requires="a14">
           <p:sp>
             <p:nvSpPr>
               <p:cNvPr id="5" name="TextBox 4">
@@ -4029,21 +4002,7 @@
                           <a:latin typeface="Cambria Math" panose="02040503050406030204" pitchFamily="18" charset="0"/>
                           <a:ea typeface="Cambria Math" panose="02040503050406030204" pitchFamily="18" charset="0"/>
                         </a:rPr>
-                        <m:t>𝑝𝑟𝑜𝑣</m:t>
-                      </m:r>
-                      <m:r>
-                        <a:rPr lang="en-US" b="0" i="1" smtClean="0">
-                          <a:latin typeface="Cambria Math" panose="02040503050406030204" pitchFamily="18" charset="0"/>
-                          <a:ea typeface="Cambria Math" panose="02040503050406030204" pitchFamily="18" charset="0"/>
-                        </a:rPr>
-                        <m:t>𝑖</m:t>
-                      </m:r>
-                      <m:r>
-                        <a:rPr lang="en-US" b="0" i="1" smtClean="0">
-                          <a:latin typeface="Cambria Math" panose="02040503050406030204" pitchFamily="18" charset="0"/>
-                          <a:ea typeface="Cambria Math" panose="02040503050406030204" pitchFamily="18" charset="0"/>
-                        </a:rPr>
-                        <m:t>𝑛𝑐𝑒</m:t>
+                        <m:t>𝑝𝑟𝑜𝑣𝑖𝑛𝑐𝑒</m:t>
                       </m:r>
                       <m:r>
                         <a:rPr lang="en-US" b="0" i="1" smtClean="0">
@@ -4165,7 +4124,7 @@
             </p:txBody>
           </p:sp>
         </mc:Choice>
-        <mc:Fallback>
+        <mc:Fallback xmlns="">
           <p:sp>
             <p:nvSpPr>
               <p:cNvPr id="5" name="TextBox 4">
@@ -4516,16 +4475,6 @@
 <file path=ppt/slides/slide12.xml><?xml version="1.0" encoding="utf-8"?>
 <p:sld xmlns:a="http://schemas.openxmlformats.org/drawingml/2006/main" xmlns:r="http://schemas.openxmlformats.org/officeDocument/2006/relationships" xmlns:p="http://schemas.openxmlformats.org/presentationml/2006/main">
   <p:cSld>
-    <p:bg>
-      <p:bgPr>
-        <a:solidFill>
-          <a:schemeClr val="bg1">
-            <a:lumMod val="95000"/>
-          </a:schemeClr>
-        </a:solidFill>
-        <a:effectLst/>
-      </p:bgPr>
-    </p:bg>
     <p:spTree>
       <p:nvGrpSpPr>
         <p:cNvPr id="1" name=""/>
@@ -4542,41 +4491,112 @@
       </p:grpSpPr>
       <p:sp>
         <p:nvSpPr>
-          <p:cNvPr id="10" name="Rectangle 9">
+          <p:cNvPr id="2" name="Title 1">
             <a:extLst>
               <a:ext uri="{FF2B5EF4-FFF2-40B4-BE49-F238E27FC236}">
-                <a16:creationId xmlns:a16="http://schemas.microsoft.com/office/drawing/2014/main" id="{DE6656AB-B8B3-4895-AD32-B928A43C4B1A}"/>
-              </a:ext>
-              <a:ext uri="{C183D7F6-B498-43B3-948B-1728B52AA6E4}">
-                <adec:decorative xmlns:adec="http://schemas.microsoft.com/office/drawing/2017/decorative" val="1"/>
+                <a16:creationId xmlns:a16="http://schemas.microsoft.com/office/drawing/2014/main" id="{334CAB32-A7F5-49E6-A170-EA417313B13B}"/>
               </a:ext>
             </a:extLst>
           </p:cNvPr>
           <p:cNvSpPr>
-            <a:spLocks noGrp="1" noRot="1" noChangeAspect="1" noMove="1" noResize="1" noEditPoints="1" noAdjustHandles="1" noChangeArrowheads="1" noChangeShapeType="1" noTextEdit="1"/>
-          </p:cNvSpPr>
-          <p:nvPr>
-            <p:extLst>
-              <p:ext uri="{386F3935-93C4-4BCD-93E2-E3B085C9AB24}">
-                <p16:designElem xmlns:p16="http://schemas.microsoft.com/office/powerpoint/2015/main" val="1"/>
-              </p:ext>
-            </p:extLst>
-          </p:nvPr>
-        </p:nvSpPr>
+            <a:spLocks noGrp="1"/>
+          </p:cNvSpPr>
+          <p:nvPr>
+            <p:ph type="title"/>
+          </p:nvPr>
+        </p:nvSpPr>
+        <p:spPr/>
+        <p:txBody>
+          <a:bodyPr/>
+          <a:lstStyle/>
+          <a:p>
+            <a:r>
+              <a:rPr lang="en-US" dirty="0"/>
+              <a:t>Quadratic Regression results</a:t>
+            </a:r>
+          </a:p>
+        </p:txBody>
+      </p:sp>
+      <p:sp>
+        <p:nvSpPr>
+          <p:cNvPr id="4" name="Content Placeholder 3">
+            <a:extLst>
+              <a:ext uri="{FF2B5EF4-FFF2-40B4-BE49-F238E27FC236}">
+                <a16:creationId xmlns:a16="http://schemas.microsoft.com/office/drawing/2014/main" id="{4776F555-4945-4189-AB48-F64BEDA532C9}"/>
+              </a:ext>
+            </a:extLst>
+          </p:cNvPr>
+          <p:cNvSpPr>
+            <a:spLocks noGrp="1"/>
+          </p:cNvSpPr>
+          <p:nvPr>
+            <p:ph idx="1"/>
+          </p:nvPr>
+        </p:nvSpPr>
+        <p:spPr/>
+        <p:txBody>
+          <a:bodyPr/>
+          <a:lstStyle/>
+          <a:p>
+            <a:endParaRPr lang="en-US"/>
+          </a:p>
+        </p:txBody>
+      </p:sp>
+      <p:pic>
+        <p:nvPicPr>
+          <p:cNvPr id="12" name="Picture 11" descr="Text&#10;&#10;Description automatically generated">
+            <a:extLst>
+              <a:ext uri="{FF2B5EF4-FFF2-40B4-BE49-F238E27FC236}">
+                <a16:creationId xmlns:a16="http://schemas.microsoft.com/office/drawing/2014/main" id="{34B58E1E-8F55-4257-A306-D43F0A0B77EC}"/>
+              </a:ext>
+            </a:extLst>
+          </p:cNvPr>
+          <p:cNvPicPr>
+            <a:picLocks noChangeAspect="1"/>
+          </p:cNvPicPr>
+          <p:nvPr/>
+        </p:nvPicPr>
+        <p:blipFill>
+          <a:blip r:embed="rId2"/>
+          <a:stretch>
+            <a:fillRect/>
+          </a:stretch>
+        </p:blipFill>
         <p:spPr>
           <a:xfrm>
-            <a:off x="824760" y="964692"/>
-            <a:ext cx="5440680" cy="4936558"/>
+            <a:off x="1506220" y="2638044"/>
+            <a:ext cx="9179560" cy="2347870"/>
+          </a:xfrm>
+          <a:prstGeom prst="rect">
+            <a:avLst/>
+          </a:prstGeom>
+        </p:spPr>
+      </p:pic>
+      <p:sp>
+        <p:nvSpPr>
+          <p:cNvPr id="13" name="Rectangle 12">
+            <a:extLst>
+              <a:ext uri="{FF2B5EF4-FFF2-40B4-BE49-F238E27FC236}">
+                <a16:creationId xmlns:a16="http://schemas.microsoft.com/office/drawing/2014/main" id="{EB66D66B-26B5-41CC-AB5A-8E07B8C79881}"/>
+              </a:ext>
+            </a:extLst>
+          </p:cNvPr>
+          <p:cNvSpPr/>
+          <p:nvPr/>
+        </p:nvSpPr>
+        <p:spPr>
+          <a:xfrm>
+            <a:off x="3987800" y="3811979"/>
+            <a:ext cx="1625600" cy="561901"/>
           </a:xfrm>
           <a:prstGeom prst="rect">
             <a:avLst/>
           </a:prstGeom>
           <a:noFill/>
-          <a:ln w="31750" cap="sq">
+          <a:ln w="38100">
             <a:solidFill>
-              <a:srgbClr val="FFFFFF"/>
+              <a:srgbClr val="FF0000"/>
             </a:solidFill>
-            <a:miter lim="800000"/>
           </a:ln>
         </p:spPr>
         <p:style>
@@ -4600,109 +4620,14 @@
           <a:lstStyle/>
           <a:p>
             <a:pPr algn="ctr"/>
-            <a:endParaRPr lang="en-US" dirty="0"/>
-          </a:p>
-        </p:txBody>
-      </p:sp>
-      <p:sp>
-        <p:nvSpPr>
-          <p:cNvPr id="12" name="Rectangle 11">
-            <a:extLst>
-              <a:ext uri="{FF2B5EF4-FFF2-40B4-BE49-F238E27FC236}">
-                <a16:creationId xmlns:a16="http://schemas.microsoft.com/office/drawing/2014/main" id="{188BDAE2-5EE0-4B2F-9C9B-7E86A0B4C293}"/>
-              </a:ext>
-              <a:ext uri="{C183D7F6-B498-43B3-948B-1728B52AA6E4}">
-                <adec:decorative xmlns:adec="http://schemas.microsoft.com/office/drawing/2017/decorative" val="1"/>
-              </a:ext>
-            </a:extLst>
-          </p:cNvPr>
-          <p:cNvSpPr>
-            <a:spLocks noGrp="1" noRot="1" noChangeAspect="1" noMove="1" noResize="1" noEditPoints="1" noAdjustHandles="1" noChangeArrowheads="1" noChangeShapeType="1" noTextEdit="1"/>
-          </p:cNvSpPr>
-          <p:nvPr>
-            <p:extLst>
-              <p:ext uri="{386F3935-93C4-4BCD-93E2-E3B085C9AB24}">
-                <p16:designElem xmlns:p16="http://schemas.microsoft.com/office/powerpoint/2015/main" val="1"/>
-              </p:ext>
-            </p:extLst>
-          </p:nvPr>
-        </p:nvSpPr>
-        <p:spPr>
-          <a:xfrm>
-            <a:off x="991853" y="1128683"/>
-            <a:ext cx="5106493" cy="4608576"/>
-          </a:xfrm>
-          <a:prstGeom prst="rect">
-            <a:avLst/>
-          </a:prstGeom>
-          <a:solidFill>
-            <a:srgbClr val="FFFFFF"/>
-          </a:solidFill>
-          <a:ln>
-            <a:noFill/>
-          </a:ln>
-        </p:spPr>
-        <p:style>
-          <a:lnRef idx="2">
-            <a:schemeClr val="accent1">
-              <a:shade val="50000"/>
-            </a:schemeClr>
-          </a:lnRef>
-          <a:fillRef idx="1">
-            <a:schemeClr val="accent1"/>
-          </a:fillRef>
-          <a:effectRef idx="0">
-            <a:schemeClr val="accent1"/>
-          </a:effectRef>
-          <a:fontRef idx="minor">
-            <a:schemeClr val="lt1"/>
-          </a:fontRef>
-        </p:style>
-        <p:txBody>
-          <a:bodyPr rtlCol="0" anchor="ctr"/>
-          <a:lstStyle/>
-          <a:p>
-            <a:pPr algn="ctr"/>
             <a:endParaRPr lang="en-US"/>
           </a:p>
         </p:txBody>
       </p:sp>
-      <p:pic>
-        <p:nvPicPr>
-          <p:cNvPr id="5" name="Content Placeholder 4" descr="Chart, line chart, histogram&#10;&#10;Description automatically generated">
-            <a:extLst>
-              <a:ext uri="{FF2B5EF4-FFF2-40B4-BE49-F238E27FC236}">
-                <a16:creationId xmlns:a16="http://schemas.microsoft.com/office/drawing/2014/main" id="{78B36BCC-DCA9-0540-853C-08E2599F9979}"/>
-              </a:ext>
-            </a:extLst>
-          </p:cNvPr>
-          <p:cNvPicPr>
-            <a:picLocks noGrp="1" noChangeAspect="1"/>
-          </p:cNvPicPr>
-          <p:nvPr>
-            <p:ph idx="4294967295"/>
-          </p:nvPr>
-        </p:nvPicPr>
-        <p:blipFill>
-          <a:blip r:embed="rId2"/>
-          <a:stretch>
-            <a:fillRect/>
-          </a:stretch>
-        </p:blipFill>
-        <p:spPr>
-          <a:xfrm>
-            <a:off x="1153943" y="1370235"/>
-            <a:ext cx="4782312" cy="3885627"/>
-          </a:xfrm>
-          <a:prstGeom prst="rect">
-            <a:avLst/>
-          </a:prstGeom>
-        </p:spPr>
-      </p:pic>
     </p:spTree>
     <p:extLst>
       <p:ext uri="{BB962C8B-B14F-4D97-AF65-F5344CB8AC3E}">
-        <p14:creationId xmlns:p14="http://schemas.microsoft.com/office/powerpoint/2010/main" val="1392525151"/>
+        <p14:creationId xmlns:p14="http://schemas.microsoft.com/office/powerpoint/2010/main" val="3273082781"/>
       </p:ext>
     </p:extLst>
   </p:cSld>
@@ -4734,7 +4659,7 @@
           <p:cNvPr id="2" name="Title 1">
             <a:extLst>
               <a:ext uri="{FF2B5EF4-FFF2-40B4-BE49-F238E27FC236}">
-                <a16:creationId xmlns:a16="http://schemas.microsoft.com/office/drawing/2014/main" id="{C1FF4E37-88BC-4EF6-9F51-C0B55797B745}"/>
+                <a16:creationId xmlns:a16="http://schemas.microsoft.com/office/drawing/2014/main" id="{ABC031B3-51C6-4E73-A78E-B37D5322DBF6}"/>
               </a:ext>
             </a:extLst>
           </p:cNvPr>
@@ -4747,12 +4672,14 @@
         </p:nvSpPr>
         <p:spPr/>
         <p:txBody>
-          <a:bodyPr/>
-          <a:lstStyle/>
-          <a:p>
-            <a:r>
-              <a:rPr lang="en-US" dirty="0"/>
-              <a:t>Next steps</a:t>
+          <a:bodyPr>
+            <a:normAutofit fontScale="90000"/>
+          </a:bodyPr>
+          <a:lstStyle/>
+          <a:p>
+            <a:r>
+              <a:rPr lang="en-US" dirty="0"/>
+              <a:t>Placeholder for province GM by year effects in the quadratic model</a:t>
             </a:r>
           </a:p>
         </p:txBody>
@@ -4762,7 +4689,7 @@
           <p:cNvPr id="3" name="Content Placeholder 2">
             <a:extLst>
               <a:ext uri="{FF2B5EF4-FFF2-40B4-BE49-F238E27FC236}">
-                <a16:creationId xmlns:a16="http://schemas.microsoft.com/office/drawing/2014/main" id="{99FCDEA6-9038-46F7-9EBB-EE34D836CC4D}"/>
+                <a16:creationId xmlns:a16="http://schemas.microsoft.com/office/drawing/2014/main" id="{EAC01005-6299-4717-8C5F-8F4E8D9339B1}"/>
               </a:ext>
             </a:extLst>
           </p:cNvPr>
@@ -4778,29 +4705,44 @@
           <a:bodyPr/>
           <a:lstStyle/>
           <a:p>
-            <a:r>
-              <a:rPr lang="en-US" dirty="0"/>
-              <a:t>Insect Resistance</a:t>
-            </a:r>
-          </a:p>
-          <a:p>
-            <a:r>
-              <a:rPr lang="en-US" dirty="0"/>
-              <a:t>Estimating the economic and production impacts of insect resistance</a:t>
-            </a:r>
-          </a:p>
-          <a:p>
-            <a:r>
-              <a:rPr lang="en-US" dirty="0"/>
-              <a:t>Breakpoint Analysis</a:t>
-            </a:r>
-          </a:p>
-        </p:txBody>
-      </p:sp>
+            <a:endParaRPr lang="en-US"/>
+          </a:p>
+        </p:txBody>
+      </p:sp>
+      <p:pic>
+        <p:nvPicPr>
+          <p:cNvPr id="4" name="Content Placeholder 4" descr="Chart, line chart, histogram&#10;&#10;Description automatically generated">
+            <a:extLst>
+              <a:ext uri="{FF2B5EF4-FFF2-40B4-BE49-F238E27FC236}">
+                <a16:creationId xmlns:a16="http://schemas.microsoft.com/office/drawing/2014/main" id="{10248E08-5C1B-4426-928C-67075EBECC06}"/>
+              </a:ext>
+            </a:extLst>
+          </p:cNvPr>
+          <p:cNvPicPr>
+            <a:picLocks noChangeAspect="1"/>
+          </p:cNvPicPr>
+          <p:nvPr/>
+        </p:nvPicPr>
+        <p:blipFill>
+          <a:blip r:embed="rId2"/>
+          <a:stretch>
+            <a:fillRect/>
+          </a:stretch>
+        </p:blipFill>
+        <p:spPr>
+          <a:xfrm>
+            <a:off x="3814939" y="2334546"/>
+            <a:ext cx="4782312" cy="3885627"/>
+          </a:xfrm>
+          <a:prstGeom prst="rect">
+            <a:avLst/>
+          </a:prstGeom>
+        </p:spPr>
+      </p:pic>
     </p:spTree>
     <p:extLst>
       <p:ext uri="{BB962C8B-B14F-4D97-AF65-F5344CB8AC3E}">
-        <p14:creationId xmlns:p14="http://schemas.microsoft.com/office/powerpoint/2010/main" val="3757687122"/>
+        <p14:creationId xmlns:p14="http://schemas.microsoft.com/office/powerpoint/2010/main" val="895708159"/>
       </p:ext>
     </p:extLst>
   </p:cSld>
@@ -4832,6 +4774,110 @@
           <p:cNvPr id="2" name="Title 1">
             <a:extLst>
               <a:ext uri="{FF2B5EF4-FFF2-40B4-BE49-F238E27FC236}">
+                <a16:creationId xmlns:a16="http://schemas.microsoft.com/office/drawing/2014/main" id="{C1FF4E37-88BC-4EF6-9F51-C0B55797B745}"/>
+              </a:ext>
+            </a:extLst>
+          </p:cNvPr>
+          <p:cNvSpPr>
+            <a:spLocks noGrp="1"/>
+          </p:cNvSpPr>
+          <p:nvPr>
+            <p:ph type="title"/>
+          </p:nvPr>
+        </p:nvSpPr>
+        <p:spPr/>
+        <p:txBody>
+          <a:bodyPr/>
+          <a:lstStyle/>
+          <a:p>
+            <a:r>
+              <a:rPr lang="en-US" dirty="0"/>
+              <a:t>Next steps</a:t>
+            </a:r>
+          </a:p>
+        </p:txBody>
+      </p:sp>
+      <p:sp>
+        <p:nvSpPr>
+          <p:cNvPr id="3" name="Content Placeholder 2">
+            <a:extLst>
+              <a:ext uri="{FF2B5EF4-FFF2-40B4-BE49-F238E27FC236}">
+                <a16:creationId xmlns:a16="http://schemas.microsoft.com/office/drawing/2014/main" id="{99FCDEA6-9038-46F7-9EBB-EE34D836CC4D}"/>
+              </a:ext>
+            </a:extLst>
+          </p:cNvPr>
+          <p:cNvSpPr>
+            <a:spLocks noGrp="1"/>
+          </p:cNvSpPr>
+          <p:nvPr>
+            <p:ph idx="1"/>
+          </p:nvPr>
+        </p:nvSpPr>
+        <p:spPr/>
+        <p:txBody>
+          <a:bodyPr/>
+          <a:lstStyle/>
+          <a:p>
+            <a:r>
+              <a:rPr lang="en-US" dirty="0"/>
+              <a:t>Quantify the counterfactual GM growth without insect resistance</a:t>
+            </a:r>
+          </a:p>
+          <a:p>
+            <a:endParaRPr lang="en-US" dirty="0"/>
+          </a:p>
+          <a:p>
+            <a:r>
+              <a:rPr lang="en-US" dirty="0"/>
+              <a:t>Estimating the economic and production impacts of insect resistance</a:t>
+            </a:r>
+          </a:p>
+          <a:p>
+            <a:endParaRPr lang="en-US" dirty="0"/>
+          </a:p>
+          <a:p>
+            <a:r>
+              <a:rPr lang="en-US" dirty="0"/>
+              <a:t>Breakpoint Analysis by province to analyze heterogeneity in insect resistance</a:t>
+            </a:r>
+          </a:p>
+        </p:txBody>
+      </p:sp>
+    </p:spTree>
+    <p:extLst>
+      <p:ext uri="{BB962C8B-B14F-4D97-AF65-F5344CB8AC3E}">
+        <p14:creationId xmlns:p14="http://schemas.microsoft.com/office/powerpoint/2010/main" val="3757687122"/>
+      </p:ext>
+    </p:extLst>
+  </p:cSld>
+  <p:clrMapOvr>
+    <a:masterClrMapping/>
+  </p:clrMapOvr>
+</p:sld>
+</file>
+
+<file path=ppt/slides/slide15.xml><?xml version="1.0" encoding="utf-8"?>
+<p:sld xmlns:a="http://schemas.openxmlformats.org/drawingml/2006/main" xmlns:r="http://schemas.openxmlformats.org/officeDocument/2006/relationships" xmlns:p="http://schemas.openxmlformats.org/presentationml/2006/main">
+  <p:cSld>
+    <p:spTree>
+      <p:nvGrpSpPr>
+        <p:cNvPr id="1" name=""/>
+        <p:cNvGrpSpPr/>
+        <p:nvPr/>
+      </p:nvGrpSpPr>
+      <p:grpSpPr>
+        <a:xfrm>
+          <a:off x="0" y="0"/>
+          <a:ext cx="0" cy="0"/>
+          <a:chOff x="0" y="0"/>
+          <a:chExt cx="0" cy="0"/>
+        </a:xfrm>
+      </p:grpSpPr>
+      <p:sp>
+        <p:nvSpPr>
+          <p:cNvPr id="2" name="Title 1">
+            <a:extLst>
+              <a:ext uri="{FF2B5EF4-FFF2-40B4-BE49-F238E27FC236}">
                 <a16:creationId xmlns:a16="http://schemas.microsoft.com/office/drawing/2014/main" id="{7219C954-F766-483C-BB3C-F692DBEC4396}"/>
               </a:ext>
             </a:extLst>
@@ -4903,32 +4949,7 @@
             </a:pPr>
             <a:r>
               <a:rPr lang="en-US" dirty="0"/>
-              <a:t>I would like to gratefully acknowledge my co-authors- Dr.  Aaron Shew, Dr. Lawton Lanier </a:t>
-            </a:r>
-            <a:r>
-              <a:rPr lang="en-US" dirty="0" err="1"/>
-              <a:t>Nalley</a:t>
-            </a:r>
-            <a:r>
-              <a:rPr lang="en-US" dirty="0"/>
-              <a:t>, Dr. Jesse Tack, Dr. Petronella </a:t>
-            </a:r>
-            <a:r>
-              <a:rPr lang="en-US" dirty="0" err="1"/>
-              <a:t>Chaminuka</a:t>
-            </a:r>
-            <a:r>
-              <a:rPr lang="en-US" dirty="0"/>
-              <a:t>, </a:t>
-            </a:r>
-          </a:p>
-          <a:p>
-            <a:pPr marL="0" indent="0" algn="ctr">
-              <a:buNone/>
-            </a:pPr>
-            <a:r>
-              <a:rPr lang="en-US" dirty="0"/>
-              <a:t>and the South African ARC</a:t>
+              <a:t>I would like to gratefully acknowledge the South African Agricultural Research Council for providing data for this study.</a:t>
             </a:r>
           </a:p>
         </p:txBody>
@@ -6020,7 +6041,12 @@
             <p:ph idx="1"/>
           </p:nvPr>
         </p:nvSpPr>
-        <p:spPr/>
+        <p:spPr>
+          <a:xfrm>
+            <a:off x="2231136" y="622207"/>
+            <a:ext cx="7729728" cy="3101983"/>
+          </a:xfrm>
+        </p:spPr>
         <p:txBody>
           <a:bodyPr>
             <a:normAutofit/>
@@ -6034,6 +6060,36 @@
           </a:p>
         </p:txBody>
       </p:sp>
+      <p:pic>
+        <p:nvPicPr>
+          <p:cNvPr id="4" name="Picture 3" descr="Chart, line chart&#10;&#10;Description automatically generated">
+            <a:extLst>
+              <a:ext uri="{FF2B5EF4-FFF2-40B4-BE49-F238E27FC236}">
+                <a16:creationId xmlns:a16="http://schemas.microsoft.com/office/drawing/2014/main" id="{871CDBC5-500A-4602-88FD-69DB4868A877}"/>
+              </a:ext>
+            </a:extLst>
+          </p:cNvPr>
+          <p:cNvPicPr>
+            <a:picLocks noChangeAspect="1"/>
+          </p:cNvPicPr>
+          <p:nvPr/>
+        </p:nvPicPr>
+        <p:blipFill>
+          <a:blip r:embed="rId2"/>
+          <a:stretch>
+            <a:fillRect/>
+          </a:stretch>
+        </p:blipFill>
+        <p:spPr>
+          <a:xfrm>
+            <a:off x="3386476" y="1990905"/>
+            <a:ext cx="5419048" cy="2876190"/>
+          </a:xfrm>
+          <a:prstGeom prst="rect">
+            <a:avLst/>
+          </a:prstGeom>
+        </p:spPr>
+      </p:pic>
     </p:spTree>
     <p:extLst>
       <p:ext uri="{BB962C8B-B14F-4D97-AF65-F5344CB8AC3E}">

--- a/SA_maize_AAEA2021.pptx
+++ b/SA_maize_AAEA2021.pptx
@@ -310,7 +310,7 @@
           <a:p>
             <a:fld id="{1160EA64-D806-43AC-9DF2-F8C432F32B4C}" type="datetimeFigureOut">
               <a:rPr lang="en-US" dirty="0"/>
-              <a:t>7/30/2021</a:t>
+              <a:t>8/1/2021</a:t>
             </a:fld>
             <a:endParaRPr lang="en-US" dirty="0"/>
           </a:p>
@@ -476,7 +476,7 @@
           <a:p>
             <a:fld id="{E9F9C37B-1D36-470B-8223-D6C91242EC14}" type="datetimeFigureOut">
               <a:rPr lang="en-US" dirty="0"/>
-              <a:t>7/30/2021</a:t>
+              <a:t>8/1/2021</a:t>
             </a:fld>
             <a:endParaRPr lang="en-US" dirty="0"/>
           </a:p>
@@ -651,7 +651,7 @@
           <a:p>
             <a:fld id="{67C6F52A-A82B-47A2-A83A-8C4C91F2D59F}" type="datetimeFigureOut">
               <a:rPr lang="en-US" dirty="0"/>
-              <a:t>7/30/2021</a:t>
+              <a:t>8/1/2021</a:t>
             </a:fld>
             <a:endParaRPr lang="en-US" dirty="0"/>
           </a:p>
@@ -816,7 +816,7 @@
           <a:p>
             <a:fld id="{F070A7B3-6521-4DCA-87E5-044747A908C1}" type="datetimeFigureOut">
               <a:rPr lang="en-US" dirty="0"/>
-              <a:t>7/30/2021</a:t>
+              <a:t>8/1/2021</a:t>
             </a:fld>
             <a:endParaRPr lang="en-US" dirty="0"/>
           </a:p>
@@ -1080,7 +1080,7 @@
           <a:p>
             <a:fld id="{1160EA64-D806-43AC-9DF2-F8C432F32B4C}" type="datetimeFigureOut">
               <a:rPr lang="en-US" dirty="0"/>
-              <a:t>7/30/2021</a:t>
+              <a:t>8/1/2021</a:t>
             </a:fld>
             <a:endParaRPr lang="en-US" dirty="0"/>
           </a:p>
@@ -1308,7 +1308,7 @@
           <a:p>
             <a:fld id="{AB134690-1557-4C89-A502-4959FE7FAD70}" type="datetimeFigureOut">
               <a:rPr lang="en-US" dirty="0"/>
-              <a:t>7/30/2021</a:t>
+              <a:t>8/1/2021</a:t>
             </a:fld>
             <a:endParaRPr lang="en-US" dirty="0"/>
           </a:p>
@@ -1662,7 +1662,7 @@
           <a:p>
             <a:fld id="{4F7D4976-E339-4826-83B7-FBD03F55ECF8}" type="datetimeFigureOut">
               <a:rPr lang="en-US" dirty="0"/>
-              <a:t>7/30/2021</a:t>
+              <a:t>8/1/2021</a:t>
             </a:fld>
             <a:endParaRPr lang="en-US" dirty="0"/>
           </a:p>
@@ -1798,7 +1798,7 @@
           <a:p>
             <a:fld id="{E1037C31-9E7A-4F99-8774-A0E530DE1A42}" type="datetimeFigureOut">
               <a:rPr lang="en-US" dirty="0"/>
-              <a:t>7/30/2021</a:t>
+              <a:t>8/1/2021</a:t>
             </a:fld>
             <a:endParaRPr lang="en-US" dirty="0"/>
           </a:p>
@@ -1888,7 +1888,7 @@
           <a:p>
             <a:fld id="{C278504F-A551-4DE0-9316-4DCD1D8CC752}" type="datetimeFigureOut">
               <a:rPr lang="en-US" dirty="0"/>
-              <a:t>7/30/2021</a:t>
+              <a:t>8/1/2021</a:t>
             </a:fld>
             <a:endParaRPr lang="en-US" dirty="0"/>
           </a:p>
@@ -2240,7 +2240,7 @@
           <a:p>
             <a:fld id="{D1BE4249-C0D0-4B06-8692-E8BB871AF643}" type="datetimeFigureOut">
               <a:rPr lang="en-US" dirty="0"/>
-              <a:t>7/30/2021</a:t>
+              <a:t>8/1/2021</a:t>
             </a:fld>
             <a:endParaRPr lang="en-US" dirty="0"/>
           </a:p>
@@ -2592,7 +2592,7 @@
           <a:p>
             <a:fld id="{042B0DB6-F5C7-45FB-8CF3-31B45F9C2DAC}" type="datetimeFigureOut">
               <a:rPr lang="en-US" dirty="0"/>
-              <a:t>7/30/2021</a:t>
+              <a:t>8/1/2021</a:t>
             </a:fld>
             <a:endParaRPr lang="en-US" dirty="0"/>
           </a:p>
@@ -2828,7 +2828,7 @@
           <a:p>
             <a:fld id="{1160EA64-D806-43AC-9DF2-F8C432F32B4C}" type="datetimeFigureOut">
               <a:rPr lang="en-US" dirty="0"/>
-              <a:t>7/30/2021</a:t>
+              <a:t>8/1/2021</a:t>
             </a:fld>
             <a:endParaRPr lang="en-US" dirty="0"/>
           </a:p>
@@ -5198,7 +5198,7 @@
           <a:p>
             <a:r>
               <a:rPr lang="en-US" dirty="0"/>
-              <a:t>Many skeptics suggest that there is not clear evidence that GM maize has yield gains in South Africa that benefit producers</a:t>
+              <a:t>Some skeptics have claimed that there is not clear evidence of GM maize yield gains in South Africa</a:t>
             </a:r>
           </a:p>
         </p:txBody>
@@ -5814,7 +5814,7 @@
         </p:nvSpPr>
         <p:spPr>
           <a:xfrm>
-            <a:off x="866162" y="523613"/>
+            <a:off x="866160" y="517376"/>
             <a:ext cx="3864864" cy="1188720"/>
           </a:xfrm>
         </p:spPr>
@@ -6025,41 +6025,6 @@
           <a:chExt cx="0" cy="0"/>
         </a:xfrm>
       </p:grpSpPr>
-      <p:sp>
-        <p:nvSpPr>
-          <p:cNvPr id="5" name="Content Placeholder 4">
-            <a:extLst>
-              <a:ext uri="{FF2B5EF4-FFF2-40B4-BE49-F238E27FC236}">
-                <a16:creationId xmlns:a16="http://schemas.microsoft.com/office/drawing/2014/main" id="{46B40487-3A62-4504-ADD1-DFB364664E3F}"/>
-              </a:ext>
-            </a:extLst>
-          </p:cNvPr>
-          <p:cNvSpPr>
-            <a:spLocks noGrp="1"/>
-          </p:cNvSpPr>
-          <p:nvPr>
-            <p:ph idx="1"/>
-          </p:nvPr>
-        </p:nvSpPr>
-        <p:spPr>
-          <a:xfrm>
-            <a:off x="2231136" y="622207"/>
-            <a:ext cx="7729728" cy="3101983"/>
-          </a:xfrm>
-        </p:spPr>
-        <p:txBody>
-          <a:bodyPr>
-            <a:normAutofit/>
-          </a:bodyPr>
-          <a:lstStyle/>
-          <a:p>
-            <a:r>
-              <a:rPr lang="en-US" sz="2400" b="1" dirty="0"/>
-              <a:t>PLACE HOLDER FOR EXPLORTORY PLOT OF GM VS CONVENTIONAL YIELDS OVER TIME</a:t>
-            </a:r>
-          </a:p>
-        </p:txBody>
-      </p:sp>
       <p:pic>
         <p:nvPicPr>
           <p:cNvPr id="4" name="Picture 3" descr="Chart, line chart&#10;&#10;Description automatically generated">
@@ -6090,6 +6055,31 @@
           </a:prstGeom>
         </p:spPr>
       </p:pic>
+      <p:sp>
+        <p:nvSpPr>
+          <p:cNvPr id="3" name="Content Placeholder 2">
+            <a:extLst>
+              <a:ext uri="{FF2B5EF4-FFF2-40B4-BE49-F238E27FC236}">
+                <a16:creationId xmlns:a16="http://schemas.microsoft.com/office/drawing/2014/main" id="{ADE93596-A1A4-4259-81D5-E0B0C5E74A89}"/>
+              </a:ext>
+            </a:extLst>
+          </p:cNvPr>
+          <p:cNvSpPr>
+            <a:spLocks noGrp="1"/>
+          </p:cNvSpPr>
+          <p:nvPr>
+            <p:ph idx="1"/>
+          </p:nvPr>
+        </p:nvSpPr>
+        <p:spPr/>
+        <p:txBody>
+          <a:bodyPr/>
+          <a:lstStyle/>
+          <a:p>
+            <a:endParaRPr lang="en-US"/>
+          </a:p>
+        </p:txBody>
+      </p:sp>
     </p:spTree>
     <p:extLst>
       <p:ext uri="{BB962C8B-B14F-4D97-AF65-F5344CB8AC3E}">

--- a/SA_maize_AAEA2021.pptx
+++ b/SA_maize_AAEA2021.pptx
@@ -128,7 +128,7 @@
 
 <file path=ppt/commentAuthors.xml><?xml version="1.0" encoding="utf-8"?>
 <p:cmAuthorLst xmlns:a="http://schemas.openxmlformats.org/drawingml/2006/main" xmlns:r="http://schemas.openxmlformats.org/officeDocument/2006/relationships" xmlns:p="http://schemas.openxmlformats.org/presentationml/2006/main">
-  <p:cmAuthor id="1" name="Aaron Michael Shew" initials="AMS" lastIdx="15" clrIdx="0">
+  <p:cmAuthor id="1" name="Aaron Michael Shew" initials="AMS" lastIdx="16" clrIdx="0">
     <p:extLst>
       <p:ext uri="{19B8F6BF-5375-455C-9EA6-DF929625EA0E}">
         <p15:presenceInfo xmlns:p15="http://schemas.microsoft.com/office/powerpoint/2012/main" userId="S::amshew@uark.edu::0ec6c25a-2a60-4322-874f-075f413124f2" providerId="AD"/>
@@ -145,6 +145,20 @@
     <p1510:client id="{AA02D21E-5552-EB4F-8786-FE2C5B022A7F}" v="101" dt="2021-07-30T16:01:02.110"/>
   </p1510:revLst>
 </p1510:revInfo>
+</file>
+
+<file path=ppt/comments/comment1.xml><?xml version="1.0" encoding="utf-8"?>
+<p:cmLst xmlns:a="http://schemas.openxmlformats.org/drawingml/2006/main" xmlns:r="http://schemas.openxmlformats.org/officeDocument/2006/relationships" xmlns:p="http://schemas.openxmlformats.org/presentationml/2006/main">
+  <p:cm authorId="1" dt="2021-08-01T12:56:47.109" idx="16">
+    <p:pos x="5547" y="1254"/>
+    <p:text>Fix this</p:text>
+    <p:extLst>
+      <p:ext uri="{C676402C-5697-4E1C-873F-D02D1690AC5C}">
+        <p15:threadingInfo xmlns:p15="http://schemas.microsoft.com/office/powerpoint/2012/main" timeZoneBias="300"/>
+      </p:ext>
+    </p:extLst>
+  </p:cm>
+</p:cmLst>
 </file>
 
 <file path=ppt/slideLayouts/slideLayout1.xml><?xml version="1.0" encoding="utf-8"?>
@@ -3674,131 +3688,308 @@
           </a:p>
         </p:txBody>
       </p:sp>
-      <p:sp>
-        <p:nvSpPr>
-          <p:cNvPr id="3" name="Content Placeholder 2">
-            <a:extLst>
-              <a:ext uri="{FF2B5EF4-FFF2-40B4-BE49-F238E27FC236}">
-                <a16:creationId xmlns:a16="http://schemas.microsoft.com/office/drawing/2014/main" id="{179B60A3-6040-7349-9FEC-B0DE017C0C17}"/>
-              </a:ext>
-            </a:extLst>
-          </p:cNvPr>
-          <p:cNvSpPr>
-            <a:spLocks noGrp="1"/>
-          </p:cNvSpPr>
-          <p:nvPr>
-            <p:ph idx="1"/>
-          </p:nvPr>
-        </p:nvSpPr>
-        <p:spPr>
-          <a:xfrm>
-            <a:off x="2231136" y="2638043"/>
-            <a:ext cx="7729728" cy="3916869"/>
-          </a:xfrm>
-        </p:spPr>
-        <p:txBody>
-          <a:bodyPr>
-            <a:normAutofit fontScale="92500"/>
-          </a:bodyPr>
-          <a:lstStyle/>
-          <a:p>
-            <a:pPr marL="0" indent="0">
-              <a:buNone/>
-            </a:pPr>
-            <a:r>
-              <a:rPr lang="en-US" b="1" dirty="0"/>
-              <a:t>Linear and </a:t>
-            </a:r>
-            <a:r>
-              <a:rPr lang="en-US" b="1" dirty="0" err="1"/>
-              <a:t>Quadratric</a:t>
-            </a:r>
-            <a:r>
-              <a:rPr lang="en-US" b="1" dirty="0"/>
-              <a:t> Regression Specifications</a:t>
-            </a:r>
-          </a:p>
-          <a:p>
-            <a:pPr marL="0" indent="0">
-              <a:buNone/>
-            </a:pPr>
-            <a:endParaRPr lang="en-US" dirty="0"/>
-          </a:p>
-          <a:p>
-            <a:pPr marL="0" indent="0">
-              <a:buNone/>
-            </a:pPr>
-            <a:endParaRPr lang="en-US" dirty="0"/>
-          </a:p>
-          <a:p>
-            <a:pPr marL="0" indent="0">
-              <a:buNone/>
-            </a:pPr>
-            <a:endParaRPr lang="en-US" dirty="0"/>
-          </a:p>
-          <a:p>
-            <a:pPr marL="0" indent="0">
-              <a:buNone/>
-            </a:pPr>
-            <a:endParaRPr lang="en-US" dirty="0"/>
-          </a:p>
-          <a:p>
-            <a:pPr marL="0" indent="0">
-              <a:buNone/>
-            </a:pPr>
-            <a:r>
-              <a:rPr lang="en-US" dirty="0"/>
-              <a:t>	Yield is measured in Mt/ha</a:t>
-            </a:r>
-          </a:p>
-          <a:p>
-            <a:pPr marL="0" indent="0">
-              <a:buNone/>
-            </a:pPr>
-            <a:r>
-              <a:rPr lang="en-US" dirty="0"/>
-              <a:t>	Province and Year fixed effects</a:t>
-            </a:r>
-          </a:p>
-          <a:p>
-            <a:pPr marL="0" indent="0">
-              <a:buNone/>
-            </a:pPr>
-            <a:r>
-              <a:rPr lang="en-US" dirty="0"/>
-              <a:t>	GM for </a:t>
-            </a:r>
-            <a:r>
-              <a:rPr lang="en-US" dirty="0" err="1"/>
-              <a:t>Bt</a:t>
-            </a:r>
-            <a:r>
-              <a:rPr lang="en-US" dirty="0"/>
-              <a:t> (1) vs Conventional (0)</a:t>
-            </a:r>
-          </a:p>
-          <a:p>
-            <a:pPr marL="0" indent="0">
-              <a:buNone/>
-            </a:pPr>
-            <a:r>
-              <a:rPr lang="en-US" dirty="0"/>
-              <a:t>	Color for white vs yellow maize</a:t>
-            </a:r>
-          </a:p>
-          <a:p>
-            <a:pPr marL="0" indent="0">
-              <a:buNone/>
-            </a:pPr>
-            <a:r>
-              <a:rPr lang="en-US" dirty="0"/>
-              <a:t>	Interact GM with year and year-squared to capture GM effects over time</a:t>
-            </a:r>
-          </a:p>
-        </p:txBody>
-      </p:sp>
-      <mc:AlternateContent xmlns:mc="http://schemas.openxmlformats.org/markup-compatibility/2006" xmlns:a14="http://schemas.microsoft.com/office/drawing/2010/main">
-        <mc:Choice Requires="a14">
+      <mc:AlternateContent xmlns:mc="http://schemas.openxmlformats.org/markup-compatibility/2006">
+        <mc:Choice xmlns:a14="http://schemas.microsoft.com/office/drawing/2010/main" Requires="a14">
+          <p:sp>
+            <p:nvSpPr>
+              <p:cNvPr id="3" name="Content Placeholder 2">
+                <a:extLst>
+                  <a:ext uri="{FF2B5EF4-FFF2-40B4-BE49-F238E27FC236}">
+                    <a16:creationId xmlns:a16="http://schemas.microsoft.com/office/drawing/2014/main" id="{179B60A3-6040-7349-9FEC-B0DE017C0C17}"/>
+                  </a:ext>
+                </a:extLst>
+              </p:cNvPr>
+              <p:cNvSpPr>
+                <a:spLocks noGrp="1"/>
+              </p:cNvSpPr>
+              <p:nvPr>
+                <p:ph idx="1"/>
+              </p:nvPr>
+            </p:nvSpPr>
+            <p:spPr>
+              <a:xfrm>
+                <a:off x="2231136" y="2261063"/>
+                <a:ext cx="7729728" cy="4293850"/>
+              </a:xfrm>
+            </p:spPr>
+            <p:txBody>
+              <a:bodyPr>
+                <a:normAutofit/>
+              </a:bodyPr>
+              <a:lstStyle/>
+              <a:p>
+                <a:pPr marL="0" indent="0">
+                  <a:buNone/>
+                </a:pPr>
+                <a:r>
+                  <a:rPr lang="en-US" b="1" dirty="0"/>
+                  <a:t>Linear and </a:t>
+                </a:r>
+                <a:r>
+                  <a:rPr lang="en-US" b="1" dirty="0" err="1"/>
+                  <a:t>Quadratric</a:t>
+                </a:r>
+                <a:r>
+                  <a:rPr lang="en-US" b="1" dirty="0"/>
+                  <a:t> Regression Specifications</a:t>
+                </a:r>
+              </a:p>
+              <a:p>
+                <a:pPr marL="0" indent="0">
+                  <a:buNone/>
+                </a:pPr>
+                <a14:m>
+                  <m:oMathPara xmlns:m="http://schemas.openxmlformats.org/officeDocument/2006/math">
+                    <m:oMathParaPr>
+                      <m:jc m:val="centerGroup"/>
+                    </m:oMathParaPr>
+                    <m:oMath xmlns:m="http://schemas.openxmlformats.org/officeDocument/2006/math">
+                      <m:sSubSup>
+                        <m:sSubSupPr>
+                          <m:ctrlPr>
+                            <a:rPr lang="en-US" b="0" i="1" smtClean="0">
+                              <a:latin typeface="Cambria Math" panose="02040503050406030204" pitchFamily="18" charset="0"/>
+                            </a:rPr>
+                          </m:ctrlPr>
+                        </m:sSubSupPr>
+                        <m:e>
+                          <m:r>
+                            <a:rPr lang="en-US" b="0" i="1" smtClean="0">
+                              <a:latin typeface="Cambria Math" panose="02040503050406030204" pitchFamily="18" charset="0"/>
+                            </a:rPr>
+                            <m:t>𝑌</m:t>
+                          </m:r>
+                        </m:e>
+                        <m:sub>
+                          <m:r>
+                            <a:rPr lang="en-US" b="0" i="1" smtClean="0">
+                              <a:latin typeface="Cambria Math" panose="02040503050406030204" pitchFamily="18" charset="0"/>
+                            </a:rPr>
+                            <m:t>𝑙𝑡𝑔𝑐</m:t>
+                          </m:r>
+                        </m:sub>
+                        <m:sup>
+                          <m:r>
+                            <a:rPr lang="en-US" b="0" i="1" smtClean="0">
+                              <a:latin typeface="Cambria Math" panose="02040503050406030204" pitchFamily="18" charset="0"/>
+                            </a:rPr>
+                            <m:t>∗</m:t>
+                          </m:r>
+                        </m:sup>
+                      </m:sSubSup>
+                      <m:r>
+                        <a:rPr lang="en-US" b="0" i="1" smtClean="0">
+                          <a:latin typeface="Cambria Math" panose="02040503050406030204" pitchFamily="18" charset="0"/>
+                        </a:rPr>
+                        <m:t>=</m:t>
+                      </m:r>
+                      <m:r>
+                        <a:rPr lang="en-US" b="0" i="1" smtClean="0">
+                          <a:latin typeface="Cambria Math" panose="02040503050406030204" pitchFamily="18" charset="0"/>
+                          <a:ea typeface="Cambria Math" panose="02040503050406030204" pitchFamily="18" charset="0"/>
+                        </a:rPr>
+                        <m:t>𝛼</m:t>
+                      </m:r>
+                      <m:r>
+                        <a:rPr lang="en-US" b="0" i="1" smtClean="0">
+                          <a:latin typeface="Cambria Math" panose="02040503050406030204" pitchFamily="18" charset="0"/>
+                        </a:rPr>
+                        <m:t>+ </m:t>
+                      </m:r>
+                      <m:sSub>
+                        <m:sSubPr>
+                          <m:ctrlPr>
+                            <a:rPr lang="en-US" b="0" i="1" smtClean="0">
+                              <a:latin typeface="Cambria Math" panose="02040503050406030204" pitchFamily="18" charset="0"/>
+                            </a:rPr>
+                          </m:ctrlPr>
+                        </m:sSubPr>
+                        <m:e>
+                          <m:r>
+                            <a:rPr lang="en-US" b="0" i="1" smtClean="0">
+                              <a:latin typeface="Cambria Math" panose="02040503050406030204" pitchFamily="18" charset="0"/>
+                            </a:rPr>
+                            <m:t>𝑝𝑟𝑜𝑣𝑖𝑛𝑐𝑒</m:t>
+                          </m:r>
+                        </m:e>
+                        <m:sub>
+                          <m:r>
+                            <a:rPr lang="en-US" b="0" i="1" smtClean="0">
+                              <a:latin typeface="Cambria Math" panose="02040503050406030204" pitchFamily="18" charset="0"/>
+                            </a:rPr>
+                            <m:t>𝑙</m:t>
+                          </m:r>
+                        </m:sub>
+                      </m:sSub>
+                      <m:r>
+                        <a:rPr lang="en-US" b="0" i="1" smtClean="0">
+                          <a:latin typeface="Cambria Math" panose="02040503050406030204" pitchFamily="18" charset="0"/>
+                        </a:rPr>
+                        <m:t>+ </m:t>
+                      </m:r>
+                      <m:sSub>
+                        <m:sSubPr>
+                          <m:ctrlPr>
+                            <a:rPr lang="en-US" b="0" i="1" smtClean="0">
+                              <a:latin typeface="Cambria Math" panose="02040503050406030204" pitchFamily="18" charset="0"/>
+                            </a:rPr>
+                          </m:ctrlPr>
+                        </m:sSubPr>
+                        <m:e>
+                          <m:r>
+                            <a:rPr lang="en-US" b="0" i="1" smtClean="0">
+                              <a:latin typeface="Cambria Math" panose="02040503050406030204" pitchFamily="18" charset="0"/>
+                            </a:rPr>
+                            <m:t>𝑦𝑒𝑎𝑟</m:t>
+                          </m:r>
+                        </m:e>
+                        <m:sub>
+                          <m:r>
+                            <a:rPr lang="en-US" b="0" i="1" smtClean="0">
+                              <a:latin typeface="Cambria Math" panose="02040503050406030204" pitchFamily="18" charset="0"/>
+                            </a:rPr>
+                            <m:t>𝑡</m:t>
+                          </m:r>
+                        </m:sub>
+                      </m:sSub>
+                      <m:r>
+                        <a:rPr lang="en-US" b="0" i="1" smtClean="0">
+                          <a:latin typeface="Cambria Math" panose="02040503050406030204" pitchFamily="18" charset="0"/>
+                        </a:rPr>
+                        <m:t>+ </m:t>
+                      </m:r>
+                      <m:r>
+                        <a:rPr lang="en-US" b="0" i="1" smtClean="0">
+                          <a:latin typeface="Cambria Math" panose="02040503050406030204" pitchFamily="18" charset="0"/>
+                          <a:ea typeface="Cambria Math" panose="02040503050406030204" pitchFamily="18" charset="0"/>
+                        </a:rPr>
+                        <m:t>𝜀</m:t>
+                      </m:r>
+                    </m:oMath>
+                  </m:oMathPara>
+                </a14:m>
+                <a:endParaRPr lang="en-US" dirty="0"/>
+              </a:p>
+              <a:p>
+                <a:pPr marL="0" indent="0">
+                  <a:buNone/>
+                </a:pPr>
+                <a:endParaRPr lang="en-US" dirty="0"/>
+              </a:p>
+              <a:p>
+                <a:pPr marL="0" indent="0">
+                  <a:buNone/>
+                </a:pPr>
+                <a:endParaRPr lang="en-US" dirty="0"/>
+              </a:p>
+              <a:p>
+                <a:pPr marL="0" indent="0">
+                  <a:buNone/>
+                </a:pPr>
+                <a:endParaRPr lang="en-US" dirty="0"/>
+              </a:p>
+              <a:p>
+                <a:pPr marL="0" indent="0">
+                  <a:buNone/>
+                </a:pPr>
+                <a:r>
+                  <a:rPr lang="en-US" dirty="0"/>
+                  <a:t>	Yield is measured in Mt/ha</a:t>
+                </a:r>
+              </a:p>
+              <a:p>
+                <a:pPr marL="0" indent="0">
+                  <a:buNone/>
+                </a:pPr>
+                <a:r>
+                  <a:rPr lang="en-US" dirty="0"/>
+                  <a:t>	Province and Year fixed effects</a:t>
+                </a:r>
+              </a:p>
+              <a:p>
+                <a:pPr marL="0" indent="0">
+                  <a:buNone/>
+                </a:pPr>
+                <a:r>
+                  <a:rPr lang="en-US" dirty="0"/>
+                  <a:t>	GM for </a:t>
+                </a:r>
+                <a:r>
+                  <a:rPr lang="en-US" dirty="0" err="1"/>
+                  <a:t>Bt</a:t>
+                </a:r>
+                <a:r>
+                  <a:rPr lang="en-US" dirty="0"/>
+                  <a:t> (1) vs Conventional (0)</a:t>
+                </a:r>
+              </a:p>
+              <a:p>
+                <a:pPr marL="0" indent="0">
+                  <a:buNone/>
+                </a:pPr>
+                <a:r>
+                  <a:rPr lang="en-US" dirty="0"/>
+                  <a:t>	Color for white vs yellow maize</a:t>
+                </a:r>
+              </a:p>
+              <a:p>
+                <a:pPr marL="0" indent="0">
+                  <a:buNone/>
+                </a:pPr>
+                <a:r>
+                  <a:rPr lang="en-US" dirty="0"/>
+                  <a:t>	Interact GM with year and year-squared to capture GM effects over time</a:t>
+                </a:r>
+              </a:p>
+            </p:txBody>
+          </p:sp>
+        </mc:Choice>
+        <mc:Fallback>
+          <p:sp>
+            <p:nvSpPr>
+              <p:cNvPr id="3" name="Content Placeholder 2">
+                <a:extLst>
+                  <a:ext uri="{FF2B5EF4-FFF2-40B4-BE49-F238E27FC236}">
+                    <a16:creationId xmlns:a16="http://schemas.microsoft.com/office/drawing/2014/main" id="{179B60A3-6040-7349-9FEC-B0DE017C0C17}"/>
+                  </a:ext>
+                </a:extLst>
+              </p:cNvPr>
+              <p:cNvSpPr>
+                <a:spLocks noGrp="1" noRot="1" noChangeAspect="1" noMove="1" noResize="1" noEditPoints="1" noAdjustHandles="1" noChangeArrowheads="1" noChangeShapeType="1" noTextEdit="1"/>
+              </p:cNvSpPr>
+              <p:nvPr>
+                <p:ph idx="1"/>
+              </p:nvPr>
+            </p:nvSpPr>
+            <p:spPr>
+              <a:xfrm>
+                <a:off x="2231136" y="2261063"/>
+                <a:ext cx="7729728" cy="4293850"/>
+              </a:xfrm>
+              <a:blipFill>
+                <a:blip r:embed="rId2"/>
+                <a:stretch>
+                  <a:fillRect l="-631" t="-852"/>
+                </a:stretch>
+              </a:blipFill>
+            </p:spPr>
+            <p:txBody>
+              <a:bodyPr/>
+              <a:lstStyle/>
+              <a:p>
+                <a:r>
+                  <a:rPr lang="en-US">
+                    <a:noFill/>
+                  </a:rPr>
+                  <a:t> </a:t>
+                </a:r>
+              </a:p>
+            </p:txBody>
+          </p:sp>
+        </mc:Fallback>
+      </mc:AlternateContent>
+      <mc:AlternateContent xmlns:mc="http://schemas.openxmlformats.org/markup-compatibility/2006">
+        <mc:Choice xmlns:a14="http://schemas.microsoft.com/office/drawing/2010/main" Requires="a14">
           <p:sp>
             <p:nvSpPr>
               <p:cNvPr id="4" name="TextBox 3">
@@ -3813,7 +4004,7 @@
             </p:nvSpPr>
             <p:spPr>
               <a:xfrm>
-                <a:off x="2231136" y="3290500"/>
+                <a:off x="6508034" y="272166"/>
                 <a:ext cx="3979551" cy="276999"/>
               </a:xfrm>
               <a:prstGeom prst="rect">
@@ -3903,7 +4094,7 @@
             </p:txBody>
           </p:sp>
         </mc:Choice>
-        <mc:Fallback xmlns="">
+        <mc:Fallback>
           <p:sp>
             <p:nvSpPr>
               <p:cNvPr id="4" name="TextBox 3">
@@ -3920,16 +4111,16 @@
             </p:nvSpPr>
             <p:spPr>
               <a:xfrm>
-                <a:off x="2231136" y="3290500"/>
+                <a:off x="6508034" y="272166"/>
                 <a:ext cx="3979551" cy="276999"/>
               </a:xfrm>
               <a:prstGeom prst="rect">
                 <a:avLst/>
               </a:prstGeom>
               <a:blipFill>
-                <a:blip r:embed="rId2"/>
+                <a:blip r:embed="rId3"/>
                 <a:stretch>
-                  <a:fillRect l="-1531" r="-766" b="-37778"/>
+                  <a:fillRect l="-1534" t="-2222" r="-920" b="-37778"/>
                 </a:stretch>
               </a:blipFill>
             </p:spPr>
@@ -4148,9 +4339,121 @@
                 <a:avLst/>
               </a:prstGeom>
               <a:blipFill>
-                <a:blip r:embed="rId3"/>
+                <a:blip r:embed="rId4"/>
                 <a:stretch>
                   <a:fillRect l="-566" t="-2222" r="-162" b="-37778"/>
+                </a:stretch>
+              </a:blipFill>
+            </p:spPr>
+            <p:txBody>
+              <a:bodyPr/>
+              <a:lstStyle/>
+              <a:p>
+                <a:r>
+                  <a:rPr lang="en-US">
+                    <a:noFill/>
+                  </a:rPr>
+                  <a:t> </a:t>
+                </a:r>
+              </a:p>
+            </p:txBody>
+          </p:sp>
+        </mc:Fallback>
+      </mc:AlternateContent>
+      <mc:AlternateContent xmlns:mc="http://schemas.openxmlformats.org/markup-compatibility/2006">
+        <mc:Choice xmlns:a14="http://schemas.microsoft.com/office/drawing/2010/main" Requires="a14">
+          <p:sp>
+            <p:nvSpPr>
+              <p:cNvPr id="6" name="TextBox 5">
+                <a:extLst>
+                  <a:ext uri="{FF2B5EF4-FFF2-40B4-BE49-F238E27FC236}">
+                    <a16:creationId xmlns:a16="http://schemas.microsoft.com/office/drawing/2014/main" id="{D16616C5-36F9-407B-81B2-610178256BD4}"/>
+                  </a:ext>
+                </a:extLst>
+              </p:cNvPr>
+              <p:cNvSpPr txBox="1"/>
+              <p:nvPr/>
+            </p:nvSpPr>
+            <p:spPr>
+              <a:xfrm>
+                <a:off x="243147" y="3290500"/>
+                <a:ext cx="997837" cy="276999"/>
+              </a:xfrm>
+              <a:prstGeom prst="rect">
+                <a:avLst/>
+              </a:prstGeom>
+              <a:noFill/>
+            </p:spPr>
+            <p:txBody>
+              <a:bodyPr wrap="none" lIns="0" tIns="0" rIns="0" bIns="0" rtlCol="0">
+                <a:spAutoFit/>
+              </a:bodyPr>
+              <a:lstStyle/>
+              <a:p>
+                <a14:m>
+                  <m:oMathPara xmlns:m="http://schemas.openxmlformats.org/officeDocument/2006/math">
+                    <m:oMathParaPr>
+                      <m:jc m:val="centerGroup"/>
+                    </m:oMathParaPr>
+                    <m:oMath xmlns:m="http://schemas.openxmlformats.org/officeDocument/2006/math">
+                      <m:sSub>
+                        <m:sSubPr>
+                          <m:ctrlPr>
+                            <a:rPr lang="en-US" i="1" smtClean="0">
+                              <a:latin typeface="Cambria Math" panose="02040503050406030204" pitchFamily="18" charset="0"/>
+                            </a:rPr>
+                          </m:ctrlPr>
+                        </m:sSubPr>
+                        <m:e/>
+                        <m:sub/>
+                      </m:sSub>
+                      <m:r>
+                        <a:rPr lang="en-US" b="0" i="1" smtClean="0">
+                          <a:latin typeface="Cambria Math" panose="02040503050406030204" pitchFamily="18" charset="0"/>
+                        </a:rPr>
+                        <m:t>𝑌</m:t>
+                      </m:r>
+                      <m:r>
+                        <a:rPr lang="en-US" b="0" i="1" smtClean="0">
+                          <a:latin typeface="Cambria Math" panose="02040503050406030204" pitchFamily="18" charset="0"/>
+                        </a:rPr>
+                        <m:t>∗…</m:t>
+                      </m:r>
+                    </m:oMath>
+                  </m:oMathPara>
+                </a14:m>
+                <a:endParaRPr lang="en-US" dirty="0"/>
+              </a:p>
+            </p:txBody>
+          </p:sp>
+        </mc:Choice>
+        <mc:Fallback>
+          <p:sp>
+            <p:nvSpPr>
+              <p:cNvPr id="6" name="TextBox 5">
+                <a:extLst>
+                  <a:ext uri="{FF2B5EF4-FFF2-40B4-BE49-F238E27FC236}">
+                    <a16:creationId xmlns:a16="http://schemas.microsoft.com/office/drawing/2014/main" id="{D16616C5-36F9-407B-81B2-610178256BD4}"/>
+                  </a:ext>
+                </a:extLst>
+              </p:cNvPr>
+              <p:cNvSpPr txBox="1">
+                <a:spLocks noRot="1" noChangeAspect="1" noMove="1" noResize="1" noEditPoints="1" noAdjustHandles="1" noChangeArrowheads="1" noChangeShapeType="1" noTextEdit="1"/>
+              </p:cNvSpPr>
+              <p:nvPr/>
+            </p:nvSpPr>
+            <p:spPr>
+              <a:xfrm>
+                <a:off x="243147" y="3290500"/>
+                <a:ext cx="997837" cy="276999"/>
+              </a:xfrm>
+              <a:prstGeom prst="rect">
+                <a:avLst/>
+              </a:prstGeom>
+              <a:blipFill>
+                <a:blip r:embed="rId5"/>
+                <a:stretch>
+                  <a:fillRect r="-1220" b="-8889"/>
                 </a:stretch>
               </a:blipFill>
             </p:spPr>
@@ -4640,6 +4943,14 @@
 <file path=ppt/slides/slide13.xml><?xml version="1.0" encoding="utf-8"?>
 <p:sld xmlns:a="http://schemas.openxmlformats.org/drawingml/2006/main" xmlns:r="http://schemas.openxmlformats.org/officeDocument/2006/relationships" xmlns:p="http://schemas.openxmlformats.org/presentationml/2006/main">
   <p:cSld>
+    <p:bg>
+      <p:bgPr>
+        <a:solidFill>
+          <a:schemeClr val="bg1"/>
+        </a:solidFill>
+        <a:effectLst/>
+      </p:bgPr>
+    </p:bg>
     <p:spTree>
       <p:nvGrpSpPr>
         <p:cNvPr id="1" name=""/>
@@ -4654,6 +4965,127 @@
           <a:chExt cx="0" cy="0"/>
         </a:xfrm>
       </p:grpSpPr>
+      <p:sp useBgFill="1">
+        <p:nvSpPr>
+          <p:cNvPr id="12" name="Rectangle 11">
+            <a:extLst>
+              <a:ext uri="{FF2B5EF4-FFF2-40B4-BE49-F238E27FC236}">
+                <a16:creationId xmlns:a16="http://schemas.microsoft.com/office/drawing/2014/main" id="{3F47E20B-1205-4238-A82B-90EF577F32D8}"/>
+              </a:ext>
+              <a:ext uri="{C183D7F6-B498-43B3-948B-1728B52AA6E4}">
+                <adec:decorative xmlns:adec="http://schemas.microsoft.com/office/drawing/2017/decorative" val="1"/>
+              </a:ext>
+            </a:extLst>
+          </p:cNvPr>
+          <p:cNvSpPr>
+            <a:spLocks noGrp="1" noRot="1" noChangeAspect="1" noMove="1" noResize="1" noEditPoints="1" noAdjustHandles="1" noChangeArrowheads="1" noChangeShapeType="1" noTextEdit="1"/>
+          </p:cNvSpPr>
+          <p:nvPr>
+            <p:extLst>
+              <p:ext uri="{386F3935-93C4-4BCD-93E2-E3B085C9AB24}">
+                <p16:designElem xmlns:p16="http://schemas.microsoft.com/office/powerpoint/2015/main" val="1"/>
+              </p:ext>
+            </p:extLst>
+          </p:nvPr>
+        </p:nvSpPr>
+        <p:spPr>
+          <a:xfrm>
+            <a:off x="1" y="0"/>
+            <a:ext cx="12191999" cy="6858000"/>
+          </a:xfrm>
+          <a:prstGeom prst="rect">
+            <a:avLst/>
+          </a:prstGeom>
+          <a:ln>
+            <a:noFill/>
+          </a:ln>
+        </p:spPr>
+        <p:style>
+          <a:lnRef idx="2">
+            <a:schemeClr val="accent1">
+              <a:shade val="50000"/>
+            </a:schemeClr>
+          </a:lnRef>
+          <a:fillRef idx="1">
+            <a:schemeClr val="accent1"/>
+          </a:fillRef>
+          <a:effectRef idx="0">
+            <a:schemeClr val="accent1"/>
+          </a:effectRef>
+          <a:fontRef idx="minor">
+            <a:schemeClr val="lt1"/>
+          </a:fontRef>
+        </p:style>
+        <p:txBody>
+          <a:bodyPr rtlCol="0" anchor="ctr"/>
+          <a:lstStyle/>
+          <a:p>
+            <a:pPr algn="ctr"/>
+            <a:endParaRPr lang="en-US"/>
+          </a:p>
+        </p:txBody>
+      </p:sp>
+      <p:sp>
+        <p:nvSpPr>
+          <p:cNvPr id="14" name="Rectangle 13">
+            <a:extLst>
+              <a:ext uri="{FF2B5EF4-FFF2-40B4-BE49-F238E27FC236}">
+                <a16:creationId xmlns:a16="http://schemas.microsoft.com/office/drawing/2014/main" id="{D13567AC-EB9A-47A9-B6EC-B5BDB73B113C}"/>
+              </a:ext>
+              <a:ext uri="{C183D7F6-B498-43B3-948B-1728B52AA6E4}">
+                <adec:decorative xmlns:adec="http://schemas.microsoft.com/office/drawing/2017/decorative" val="1"/>
+              </a:ext>
+            </a:extLst>
+          </p:cNvPr>
+          <p:cNvSpPr>
+            <a:spLocks noGrp="1" noRot="1" noChangeAspect="1" noMove="1" noResize="1" noEditPoints="1" noAdjustHandles="1" noChangeArrowheads="1" noChangeShapeType="1" noTextEdit="1"/>
+          </p:cNvSpPr>
+          <p:nvPr>
+            <p:extLst>
+              <p:ext uri="{386F3935-93C4-4BCD-93E2-E3B085C9AB24}">
+                <p16:designElem xmlns:p16="http://schemas.microsoft.com/office/powerpoint/2015/main" val="1"/>
+              </p:ext>
+            </p:extLst>
+          </p:nvPr>
+        </p:nvSpPr>
+        <p:spPr>
+          <a:xfrm>
+            <a:off x="0" y="0"/>
+            <a:ext cx="4654296" cy="6858000"/>
+          </a:xfrm>
+          <a:prstGeom prst="rect">
+            <a:avLst/>
+          </a:prstGeom>
+          <a:solidFill>
+            <a:schemeClr val="tx2"/>
+          </a:solidFill>
+          <a:ln>
+            <a:noFill/>
+          </a:ln>
+        </p:spPr>
+        <p:style>
+          <a:lnRef idx="0">
+            <a:scrgbClr r="0" g="0" b="0"/>
+          </a:lnRef>
+          <a:fillRef idx="0">
+            <a:scrgbClr r="0" g="0" b="0"/>
+          </a:fillRef>
+          <a:effectRef idx="0">
+            <a:scrgbClr r="0" g="0" b="0"/>
+          </a:effectRef>
+          <a:fontRef idx="minor">
+            <a:schemeClr val="lt1"/>
+          </a:fontRef>
+        </p:style>
+        <p:txBody>
+          <a:bodyPr rtlCol="0" anchor="ctr"/>
+          <a:lstStyle/>
+          <a:p>
+            <a:pPr algn="ctr"/>
+            <a:endParaRPr lang="en-US"/>
+          </a:p>
+        </p:txBody>
+      </p:sp>
       <p:sp>
         <p:nvSpPr>
           <p:cNvPr id="2" name="Title 1">
@@ -4670,58 +5102,50 @@
             <p:ph type="title"/>
           </p:nvPr>
         </p:nvSpPr>
-        <p:spPr/>
-        <p:txBody>
-          <a:bodyPr>
-            <a:normAutofit fontScale="90000"/>
+        <p:spPr>
+          <a:xfrm>
+            <a:off x="643468" y="820010"/>
+            <a:ext cx="3415288" cy="3212654"/>
+          </a:xfrm>
+          <a:noFill/>
+          <a:ln>
+            <a:solidFill>
+              <a:schemeClr val="bg1"/>
+            </a:solidFill>
+          </a:ln>
+        </p:spPr>
+        <p:txBody>
+          <a:bodyPr vert="horz" lIns="274320" tIns="182880" rIns="274320" bIns="182880" rtlCol="0" anchor="ctr" anchorCtr="1">
+            <a:normAutofit/>
           </a:bodyPr>
           <a:lstStyle/>
           <a:p>
             <a:r>
-              <a:rPr lang="en-US" dirty="0"/>
+              <a:rPr lang="en-US" sz="2900">
+                <a:solidFill>
+                  <a:schemeClr val="bg1"/>
+                </a:solidFill>
+              </a:rPr>
               <a:t>Placeholder for province GM by year effects in the quadratic model</a:t>
             </a:r>
           </a:p>
         </p:txBody>
       </p:sp>
-      <p:sp>
-        <p:nvSpPr>
-          <p:cNvPr id="3" name="Content Placeholder 2">
+      <p:pic>
+        <p:nvPicPr>
+          <p:cNvPr id="7" name="Content Placeholder 6" descr="Chart&#10;&#10;Description automatically generated">
             <a:extLst>
               <a:ext uri="{FF2B5EF4-FFF2-40B4-BE49-F238E27FC236}">
-                <a16:creationId xmlns:a16="http://schemas.microsoft.com/office/drawing/2014/main" id="{EAC01005-6299-4717-8C5F-8F4E8D9339B1}"/>
-              </a:ext>
-            </a:extLst>
-          </p:cNvPr>
-          <p:cNvSpPr>
-            <a:spLocks noGrp="1"/>
-          </p:cNvSpPr>
-          <p:nvPr>
-            <p:ph idx="1"/>
-          </p:nvPr>
-        </p:nvSpPr>
-        <p:spPr/>
-        <p:txBody>
-          <a:bodyPr/>
-          <a:lstStyle/>
-          <a:p>
-            <a:endParaRPr lang="en-US"/>
-          </a:p>
-        </p:txBody>
-      </p:sp>
-      <p:pic>
-        <p:nvPicPr>
-          <p:cNvPr id="4" name="Content Placeholder 4" descr="Chart, line chart, histogram&#10;&#10;Description automatically generated">
-            <a:extLst>
-              <a:ext uri="{FF2B5EF4-FFF2-40B4-BE49-F238E27FC236}">
-                <a16:creationId xmlns:a16="http://schemas.microsoft.com/office/drawing/2014/main" id="{10248E08-5C1B-4426-928C-67075EBECC06}"/>
+                <a16:creationId xmlns:a16="http://schemas.microsoft.com/office/drawing/2014/main" id="{EE428351-A240-4239-B27E-14F2D6553527}"/>
               </a:ext>
             </a:extLst>
           </p:cNvPr>
           <p:cNvPicPr>
-            <a:picLocks noChangeAspect="1"/>
+            <a:picLocks noGrp="1" noChangeAspect="1"/>
           </p:cNvPicPr>
-          <p:nvPr/>
+          <p:nvPr>
+            <p:ph idx="1"/>
+          </p:nvPr>
         </p:nvPicPr>
         <p:blipFill>
           <a:blip r:embed="rId2"/>
@@ -4731,8 +5155,8 @@
         </p:blipFill>
         <p:spPr>
           <a:xfrm>
-            <a:off x="3814939" y="2334546"/>
-            <a:ext cx="4782312" cy="3885627"/>
+            <a:off x="5297763" y="1308137"/>
+            <a:ext cx="6250769" cy="4080859"/>
           </a:xfrm>
           <a:prstGeom prst="rect">
             <a:avLst/>
@@ -6076,7 +6500,7 @@
           <a:bodyPr/>
           <a:lstStyle/>
           <a:p>
-            <a:endParaRPr lang="en-US"/>
+            <a:endParaRPr lang="en-US" dirty="0"/>
           </a:p>
         </p:txBody>
       </p:sp>
